--- a/stldb_lib/docs/images.pptx
+++ b/stldb_lib/docs/images.pptx
@@ -9,6 +9,8 @@
     <p:sldId id="259" r:id="rId3"/>
     <p:sldId id="257" r:id="rId4"/>
     <p:sldId id="258" r:id="rId5"/>
+    <p:sldId id="260" r:id="rId6"/>
+    <p:sldId id="261" r:id="rId7"/>
   </p:sldIdLst>
   <p:sldSz cx="9144000" cy="6858000" type="screen4x3"/>
   <p:notesSz cx="6858000" cy="9144000"/>
@@ -292,7 +294,7 @@
             <a:fld id="{47BC8B44-1E5F-3D49-B519-089E2CBC3578}" type="datetimeFigureOut">
               <a:rPr lang="en-US" smtClean="0"/>
               <a:pPr/>
-              <a:t>11/17/09</a:t>
+              <a:t>1/1/10</a:t>
             </a:fld>
             <a:endParaRPr lang="en-US"/>
           </a:p>
@@ -459,7 +461,7 @@
             <a:fld id="{47BC8B44-1E5F-3D49-B519-089E2CBC3578}" type="datetimeFigureOut">
               <a:rPr lang="en-US" smtClean="0"/>
               <a:pPr/>
-              <a:t>11/17/09</a:t>
+              <a:t>1/1/10</a:t>
             </a:fld>
             <a:endParaRPr lang="en-US"/>
           </a:p>
@@ -636,7 +638,7 @@
             <a:fld id="{47BC8B44-1E5F-3D49-B519-089E2CBC3578}" type="datetimeFigureOut">
               <a:rPr lang="en-US" smtClean="0"/>
               <a:pPr/>
-              <a:t>11/17/09</a:t>
+              <a:t>1/1/10</a:t>
             </a:fld>
             <a:endParaRPr lang="en-US"/>
           </a:p>
@@ -803,7 +805,7 @@
             <a:fld id="{47BC8B44-1E5F-3D49-B519-089E2CBC3578}" type="datetimeFigureOut">
               <a:rPr lang="en-US" smtClean="0"/>
               <a:pPr/>
-              <a:t>11/17/09</a:t>
+              <a:t>1/1/10</a:t>
             </a:fld>
             <a:endParaRPr lang="en-US"/>
           </a:p>
@@ -1046,7 +1048,7 @@
             <a:fld id="{47BC8B44-1E5F-3D49-B519-089E2CBC3578}" type="datetimeFigureOut">
               <a:rPr lang="en-US" smtClean="0"/>
               <a:pPr/>
-              <a:t>11/17/09</a:t>
+              <a:t>1/1/10</a:t>
             </a:fld>
             <a:endParaRPr lang="en-US"/>
           </a:p>
@@ -1331,7 +1333,7 @@
             <a:fld id="{47BC8B44-1E5F-3D49-B519-089E2CBC3578}" type="datetimeFigureOut">
               <a:rPr lang="en-US" smtClean="0"/>
               <a:pPr/>
-              <a:t>11/17/09</a:t>
+              <a:t>1/1/10</a:t>
             </a:fld>
             <a:endParaRPr lang="en-US"/>
           </a:p>
@@ -1750,7 +1752,7 @@
             <a:fld id="{47BC8B44-1E5F-3D49-B519-089E2CBC3578}" type="datetimeFigureOut">
               <a:rPr lang="en-US" smtClean="0"/>
               <a:pPr/>
-              <a:t>11/17/09</a:t>
+              <a:t>1/1/10</a:t>
             </a:fld>
             <a:endParaRPr lang="en-US"/>
           </a:p>
@@ -1865,7 +1867,7 @@
             <a:fld id="{47BC8B44-1E5F-3D49-B519-089E2CBC3578}" type="datetimeFigureOut">
               <a:rPr lang="en-US" smtClean="0"/>
               <a:pPr/>
-              <a:t>11/17/09</a:t>
+              <a:t>1/1/10</a:t>
             </a:fld>
             <a:endParaRPr lang="en-US"/>
           </a:p>
@@ -1957,7 +1959,7 @@
             <a:fld id="{47BC8B44-1E5F-3D49-B519-089E2CBC3578}" type="datetimeFigureOut">
               <a:rPr lang="en-US" smtClean="0"/>
               <a:pPr/>
-              <a:t>11/17/09</a:t>
+              <a:t>1/1/10</a:t>
             </a:fld>
             <a:endParaRPr lang="en-US"/>
           </a:p>
@@ -2231,7 +2233,7 @@
             <a:fld id="{47BC8B44-1E5F-3D49-B519-089E2CBC3578}" type="datetimeFigureOut">
               <a:rPr lang="en-US" smtClean="0"/>
               <a:pPr/>
-              <a:t>11/17/09</a:t>
+              <a:t>1/1/10</a:t>
             </a:fld>
             <a:endParaRPr lang="en-US"/>
           </a:p>
@@ -2481,7 +2483,7 @@
             <a:fld id="{47BC8B44-1E5F-3D49-B519-089E2CBC3578}" type="datetimeFigureOut">
               <a:rPr lang="en-US" smtClean="0"/>
               <a:pPr/>
-              <a:t>11/17/09</a:t>
+              <a:t>1/1/10</a:t>
             </a:fld>
             <a:endParaRPr lang="en-US"/>
           </a:p>
@@ -2691,7 +2693,7 @@
             <a:fld id="{47BC8B44-1E5F-3D49-B519-089E2CBC3578}" type="datetimeFigureOut">
               <a:rPr lang="en-US" smtClean="0"/>
               <a:pPr/>
-              <a:t>11/17/09</a:t>
+              <a:t>1/1/10</a:t>
             </a:fld>
             <a:endParaRPr lang="en-US"/>
           </a:p>
@@ -4712,11 +4714,7 @@
           <a:p>
             <a:r>
               <a:rPr lang="en-US" dirty="0" smtClean="0"/>
-              <a:t>c</a:t>
-            </a:r>
-            <a:r>
-              <a:rPr lang="en-US" dirty="0" smtClean="0"/>
-              <a:t>ommit</a:t>
+              <a:t>commit</a:t>
             </a:r>
           </a:p>
           <a:p>
@@ -4825,6 +4823,1810 @@
           </a:graphicData>
         </a:graphic>
       </p:graphicFrame>
+    </p:spTree>
+  </p:cSld>
+  <p:clrMapOvr>
+    <a:masterClrMapping/>
+  </p:clrMapOvr>
+</p:sld>
+</file>
+
+<file path=ppt/slides/slide5.xml><?xml version="1.0" encoding="utf-8"?>
+<p:sld xmlns:a="http://schemas.openxmlformats.org/drawingml/2006/main" xmlns:r="http://schemas.openxmlformats.org/officeDocument/2006/relationships" xmlns:mc="http://schemas.openxmlformats.org/markup-compatibility/2006" xmlns:mv="urn:schemas-microsoft-com:mac:vml" xmlns:p="http://schemas.openxmlformats.org/presentationml/2006/main" mc:Ignorable="mv" mc:PreserveAttributes="mv:*">
+  <p:cSld>
+    <p:spTree>
+      <p:nvGrpSpPr>
+        <p:cNvPr id="1" name=""/>
+        <p:cNvGrpSpPr/>
+        <p:nvPr/>
+      </p:nvGrpSpPr>
+      <p:grpSpPr>
+        <a:xfrm>
+          <a:off x="0" y="0"/>
+          <a:ext cx="0" cy="0"/>
+          <a:chOff x="0" y="0"/>
+          <a:chExt cx="0" cy="0"/>
+        </a:xfrm>
+      </p:grpSpPr>
+      <p:sp>
+        <p:nvSpPr>
+          <p:cNvPr id="18" name="Isosceles Triangle 17"/>
+          <p:cNvSpPr/>
+          <p:nvPr/>
+        </p:nvSpPr>
+        <p:spPr>
+          <a:xfrm>
+            <a:off x="4346422" y="4145658"/>
+            <a:ext cx="371391" cy="299881"/>
+          </a:xfrm>
+          <a:prstGeom prst="triangle">
+            <a:avLst/>
+          </a:prstGeom>
+        </p:spPr>
+        <p:style>
+          <a:lnRef idx="1">
+            <a:schemeClr val="accent1"/>
+          </a:lnRef>
+          <a:fillRef idx="3">
+            <a:schemeClr val="accent1"/>
+          </a:fillRef>
+          <a:effectRef idx="2">
+            <a:schemeClr val="accent1"/>
+          </a:effectRef>
+          <a:fontRef idx="minor">
+            <a:schemeClr val="lt1"/>
+          </a:fontRef>
+        </p:style>
+        <p:txBody>
+          <a:bodyPr rtlCol="0" anchor="ctr"/>
+          <a:lstStyle/>
+          <a:p>
+            <a:pPr algn="ctr"/>
+            <a:endParaRPr lang="en-US"/>
+          </a:p>
+        </p:txBody>
+      </p:sp>
+      <p:sp>
+        <p:nvSpPr>
+          <p:cNvPr id="20" name="Isosceles Triangle 19"/>
+          <p:cNvSpPr/>
+          <p:nvPr/>
+        </p:nvSpPr>
+        <p:spPr>
+          <a:xfrm>
+            <a:off x="5235597" y="4145658"/>
+            <a:ext cx="371391" cy="299881"/>
+          </a:xfrm>
+          <a:prstGeom prst="triangle">
+            <a:avLst/>
+          </a:prstGeom>
+        </p:spPr>
+        <p:style>
+          <a:lnRef idx="1">
+            <a:schemeClr val="accent1"/>
+          </a:lnRef>
+          <a:fillRef idx="3">
+            <a:schemeClr val="accent1"/>
+          </a:fillRef>
+          <a:effectRef idx="2">
+            <a:schemeClr val="accent1"/>
+          </a:effectRef>
+          <a:fontRef idx="minor">
+            <a:schemeClr val="lt1"/>
+          </a:fontRef>
+        </p:style>
+        <p:txBody>
+          <a:bodyPr rtlCol="0" anchor="ctr"/>
+          <a:lstStyle/>
+          <a:p>
+            <a:pPr algn="ctr"/>
+            <a:endParaRPr lang="en-US"/>
+          </a:p>
+        </p:txBody>
+      </p:sp>
+      <p:sp>
+        <p:nvSpPr>
+          <p:cNvPr id="35" name="Rounded Rectangle 34"/>
+          <p:cNvSpPr/>
+          <p:nvPr/>
+        </p:nvSpPr>
+        <p:spPr>
+          <a:xfrm>
+            <a:off x="4048623" y="4570279"/>
+            <a:ext cx="2575774" cy="1407843"/>
+          </a:xfrm>
+          <a:prstGeom prst="roundRect">
+            <a:avLst/>
+          </a:prstGeom>
+          <a:gradFill>
+            <a:gsLst>
+              <a:gs pos="0">
+                <a:schemeClr val="accent6">
+                  <a:lumMod val="75000"/>
+                </a:schemeClr>
+              </a:gs>
+              <a:gs pos="100000">
+                <a:schemeClr val="accent6">
+                  <a:lumMod val="20000"/>
+                  <a:lumOff val="80000"/>
+                </a:schemeClr>
+              </a:gs>
+            </a:gsLst>
+          </a:gradFill>
+        </p:spPr>
+        <p:style>
+          <a:lnRef idx="1">
+            <a:schemeClr val="accent1"/>
+          </a:lnRef>
+          <a:fillRef idx="3">
+            <a:schemeClr val="accent1"/>
+          </a:fillRef>
+          <a:effectRef idx="2">
+            <a:schemeClr val="accent1"/>
+          </a:effectRef>
+          <a:fontRef idx="minor">
+            <a:schemeClr val="lt1"/>
+          </a:fontRef>
+        </p:style>
+        <p:txBody>
+          <a:bodyPr rtlCol="0" anchor="b" anchorCtr="0"/>
+          <a:lstStyle/>
+          <a:p>
+            <a:pPr algn="ctr"/>
+            <a:r>
+              <a:rPr lang="en-US" dirty="0" smtClean="0">
+                <a:solidFill>
+                  <a:schemeClr val="tx1"/>
+                </a:solidFill>
+              </a:rPr>
+              <a:t>Application</a:t>
+            </a:r>
+          </a:p>
+          <a:p>
+            <a:pPr algn="ctr"/>
+            <a:r>
+              <a:rPr lang="en-US" dirty="0" smtClean="0">
+                <a:solidFill>
+                  <a:schemeClr val="tx1"/>
+                </a:solidFill>
+              </a:rPr>
+              <a:t>Process</a:t>
+            </a:r>
+            <a:endParaRPr lang="en-US" dirty="0">
+              <a:solidFill>
+                <a:schemeClr val="tx1"/>
+              </a:solidFill>
+            </a:endParaRPr>
+          </a:p>
+        </p:txBody>
+      </p:sp>
+      <p:sp>
+        <p:nvSpPr>
+          <p:cNvPr id="34" name="Rounded Rectangle 33"/>
+          <p:cNvSpPr/>
+          <p:nvPr/>
+        </p:nvSpPr>
+        <p:spPr>
+          <a:xfrm>
+            <a:off x="3848303" y="4357969"/>
+            <a:ext cx="2575774" cy="1407843"/>
+          </a:xfrm>
+          <a:prstGeom prst="roundRect">
+            <a:avLst/>
+          </a:prstGeom>
+          <a:gradFill>
+            <a:gsLst>
+              <a:gs pos="0">
+                <a:schemeClr val="accent6">
+                  <a:lumMod val="75000"/>
+                </a:schemeClr>
+              </a:gs>
+              <a:gs pos="100000">
+                <a:schemeClr val="accent6">
+                  <a:lumMod val="20000"/>
+                  <a:lumOff val="80000"/>
+                </a:schemeClr>
+              </a:gs>
+            </a:gsLst>
+          </a:gradFill>
+        </p:spPr>
+        <p:style>
+          <a:lnRef idx="1">
+            <a:schemeClr val="accent1"/>
+          </a:lnRef>
+          <a:fillRef idx="3">
+            <a:schemeClr val="accent1"/>
+          </a:fillRef>
+          <a:effectRef idx="2">
+            <a:schemeClr val="accent1"/>
+          </a:effectRef>
+          <a:fontRef idx="minor">
+            <a:schemeClr val="lt1"/>
+          </a:fontRef>
+        </p:style>
+        <p:txBody>
+          <a:bodyPr rtlCol="0" anchor="b" anchorCtr="0"/>
+          <a:lstStyle/>
+          <a:p>
+            <a:pPr algn="ctr"/>
+            <a:r>
+              <a:rPr lang="en-US" dirty="0" smtClean="0">
+                <a:solidFill>
+                  <a:schemeClr val="tx1"/>
+                </a:solidFill>
+              </a:rPr>
+              <a:t>Application</a:t>
+            </a:r>
+          </a:p>
+          <a:p>
+            <a:pPr algn="ctr"/>
+            <a:r>
+              <a:rPr lang="en-US" dirty="0" smtClean="0">
+                <a:solidFill>
+                  <a:schemeClr val="tx1"/>
+                </a:solidFill>
+              </a:rPr>
+              <a:t>Process</a:t>
+            </a:r>
+            <a:endParaRPr lang="en-US" dirty="0">
+              <a:solidFill>
+                <a:schemeClr val="tx1"/>
+              </a:solidFill>
+            </a:endParaRPr>
+          </a:p>
+        </p:txBody>
+      </p:sp>
+      <p:sp>
+        <p:nvSpPr>
+          <p:cNvPr id="6" name="Rounded Rectangle 5"/>
+          <p:cNvSpPr/>
+          <p:nvPr/>
+        </p:nvSpPr>
+        <p:spPr>
+          <a:xfrm>
+            <a:off x="3647983" y="4145659"/>
+            <a:ext cx="2575774" cy="1407843"/>
+          </a:xfrm>
+          <a:prstGeom prst="roundRect">
+            <a:avLst/>
+          </a:prstGeom>
+          <a:gradFill>
+            <a:gsLst>
+              <a:gs pos="0">
+                <a:schemeClr val="accent6">
+                  <a:lumMod val="75000"/>
+                </a:schemeClr>
+              </a:gs>
+              <a:gs pos="100000">
+                <a:schemeClr val="accent6">
+                  <a:lumMod val="20000"/>
+                  <a:lumOff val="80000"/>
+                </a:schemeClr>
+              </a:gs>
+            </a:gsLst>
+          </a:gradFill>
+        </p:spPr>
+        <p:style>
+          <a:lnRef idx="1">
+            <a:schemeClr val="accent1"/>
+          </a:lnRef>
+          <a:fillRef idx="3">
+            <a:schemeClr val="accent1"/>
+          </a:fillRef>
+          <a:effectRef idx="2">
+            <a:schemeClr val="accent1"/>
+          </a:effectRef>
+          <a:fontRef idx="minor">
+            <a:schemeClr val="lt1"/>
+          </a:fontRef>
+        </p:style>
+        <p:txBody>
+          <a:bodyPr rtlCol="0" anchor="b" anchorCtr="0"/>
+          <a:lstStyle/>
+          <a:p>
+            <a:pPr algn="ctr"/>
+            <a:r>
+              <a:rPr lang="en-US" dirty="0" smtClean="0">
+                <a:solidFill>
+                  <a:schemeClr val="tx1"/>
+                </a:solidFill>
+              </a:rPr>
+              <a:t>Application</a:t>
+            </a:r>
+          </a:p>
+          <a:p>
+            <a:pPr algn="ctr"/>
+            <a:r>
+              <a:rPr lang="en-US" dirty="0" smtClean="0">
+                <a:solidFill>
+                  <a:schemeClr val="tx1"/>
+                </a:solidFill>
+              </a:rPr>
+              <a:t>Processes</a:t>
+            </a:r>
+            <a:endParaRPr lang="en-US" dirty="0">
+              <a:solidFill>
+                <a:schemeClr val="tx1"/>
+              </a:solidFill>
+            </a:endParaRPr>
+          </a:p>
+        </p:txBody>
+      </p:sp>
+      <p:sp>
+        <p:nvSpPr>
+          <p:cNvPr id="5" name="Rounded Rectangle 4"/>
+          <p:cNvSpPr/>
+          <p:nvPr/>
+        </p:nvSpPr>
+        <p:spPr>
+          <a:xfrm>
+            <a:off x="3911538" y="4145658"/>
+            <a:ext cx="2096561" cy="563138"/>
+          </a:xfrm>
+          <a:prstGeom prst="roundRect">
+            <a:avLst/>
+          </a:prstGeom>
+        </p:spPr>
+        <p:style>
+          <a:lnRef idx="1">
+            <a:schemeClr val="accent1"/>
+          </a:lnRef>
+          <a:fillRef idx="3">
+            <a:schemeClr val="accent1"/>
+          </a:fillRef>
+          <a:effectRef idx="2">
+            <a:schemeClr val="accent1"/>
+          </a:effectRef>
+          <a:fontRef idx="minor">
+            <a:schemeClr val="lt1"/>
+          </a:fontRef>
+        </p:style>
+        <p:txBody>
+          <a:bodyPr rtlCol="0" anchor="ctr"/>
+          <a:lstStyle/>
+          <a:p>
+            <a:pPr algn="ctr"/>
+            <a:r>
+              <a:rPr lang="en-US" dirty="0" err="1" smtClean="0"/>
+              <a:t>STLdb</a:t>
+            </a:r>
+            <a:r>
+              <a:rPr lang="en-US" dirty="0" smtClean="0"/>
+              <a:t> library</a:t>
+            </a:r>
+            <a:endParaRPr lang="en-US" dirty="0"/>
+          </a:p>
+        </p:txBody>
+      </p:sp>
+      <p:sp>
+        <p:nvSpPr>
+          <p:cNvPr id="4" name="Rectangle 3"/>
+          <p:cNvSpPr/>
+          <p:nvPr/>
+        </p:nvSpPr>
+        <p:spPr>
+          <a:xfrm>
+            <a:off x="1328110" y="1246092"/>
+            <a:ext cx="2505567" cy="1234111"/>
+          </a:xfrm>
+          <a:prstGeom prst="rect">
+            <a:avLst/>
+          </a:prstGeom>
+        </p:spPr>
+        <p:style>
+          <a:lnRef idx="1">
+            <a:schemeClr val="accent1"/>
+          </a:lnRef>
+          <a:fillRef idx="3">
+            <a:schemeClr val="accent1"/>
+          </a:fillRef>
+          <a:effectRef idx="2">
+            <a:schemeClr val="accent1"/>
+          </a:effectRef>
+          <a:fontRef idx="minor">
+            <a:schemeClr val="lt1"/>
+          </a:fontRef>
+        </p:style>
+        <p:txBody>
+          <a:bodyPr rtlCol="0" anchor="ctr"/>
+          <a:lstStyle/>
+          <a:p>
+            <a:pPr algn="ctr"/>
+            <a:r>
+              <a:rPr lang="en-US" dirty="0" smtClean="0"/>
+              <a:t>Shared Memory Region</a:t>
+            </a:r>
+          </a:p>
+          <a:p>
+            <a:pPr algn="ctr"/>
+            <a:r>
+              <a:rPr lang="en-US" dirty="0" smtClean="0"/>
+              <a:t>(All database data)</a:t>
+            </a:r>
+            <a:endParaRPr lang="en-US" dirty="0"/>
+          </a:p>
+        </p:txBody>
+      </p:sp>
+      <p:sp>
+        <p:nvSpPr>
+          <p:cNvPr id="11" name="Magnetic Disk 10"/>
+          <p:cNvSpPr/>
+          <p:nvPr/>
+        </p:nvSpPr>
+        <p:spPr>
+          <a:xfrm>
+            <a:off x="6057004" y="1018442"/>
+            <a:ext cx="1509524" cy="1461761"/>
+          </a:xfrm>
+          <a:prstGeom prst="flowChartMagneticDisk">
+            <a:avLst/>
+          </a:prstGeom>
+          <a:gradFill>
+            <a:gsLst>
+              <a:gs pos="0">
+                <a:schemeClr val="tx1">
+                  <a:lumMod val="65000"/>
+                  <a:lumOff val="35000"/>
+                </a:schemeClr>
+              </a:gs>
+              <a:gs pos="100000">
+                <a:schemeClr val="bg1">
+                  <a:lumMod val="85000"/>
+                </a:schemeClr>
+              </a:gs>
+            </a:gsLst>
+          </a:gradFill>
+          <a:ln>
+            <a:solidFill>
+              <a:schemeClr val="tx1">
+                <a:lumMod val="65000"/>
+                <a:lumOff val="35000"/>
+              </a:schemeClr>
+            </a:solidFill>
+          </a:ln>
+        </p:spPr>
+        <p:style>
+          <a:lnRef idx="1">
+            <a:schemeClr val="accent1"/>
+          </a:lnRef>
+          <a:fillRef idx="3">
+            <a:schemeClr val="accent1"/>
+          </a:fillRef>
+          <a:effectRef idx="2">
+            <a:schemeClr val="accent1"/>
+          </a:effectRef>
+          <a:fontRef idx="minor">
+            <a:schemeClr val="lt1"/>
+          </a:fontRef>
+        </p:style>
+        <p:txBody>
+          <a:bodyPr rtlCol="0" anchor="ctr"/>
+          <a:lstStyle/>
+          <a:p>
+            <a:pPr algn="ctr"/>
+            <a:r>
+              <a:rPr lang="en-US" dirty="0" smtClean="0">
+                <a:solidFill>
+                  <a:schemeClr val="tx1"/>
+                </a:solidFill>
+              </a:rPr>
+              <a:t>Checkpoint</a:t>
+            </a:r>
+          </a:p>
+          <a:p>
+            <a:pPr algn="ctr"/>
+            <a:r>
+              <a:rPr lang="en-US" dirty="0" smtClean="0">
+                <a:solidFill>
+                  <a:schemeClr val="tx1"/>
+                </a:solidFill>
+              </a:rPr>
+              <a:t>Files</a:t>
+            </a:r>
+            <a:endParaRPr lang="en-US" dirty="0">
+              <a:solidFill>
+                <a:schemeClr val="tx1"/>
+              </a:solidFill>
+            </a:endParaRPr>
+          </a:p>
+        </p:txBody>
+      </p:sp>
+      <p:cxnSp>
+        <p:nvCxnSpPr>
+          <p:cNvPr id="13" name="Elbow Connector 12"/>
+          <p:cNvCxnSpPr>
+            <a:stCxn id="18" idx="0"/>
+            <a:endCxn id="4" idx="2"/>
+          </p:cNvCxnSpPr>
+          <p:nvPr/>
+        </p:nvCxnSpPr>
+        <p:spPr>
+          <a:xfrm rot="16200000" flipV="1">
+            <a:off x="2723779" y="2337319"/>
+            <a:ext cx="1665455" cy="1951224"/>
+          </a:xfrm>
+          <a:prstGeom prst="bentConnector3">
+            <a:avLst>
+              <a:gd name="adj1" fmla="val 50000"/>
+            </a:avLst>
+          </a:prstGeom>
+          <a:ln>
+            <a:headEnd type="arrow"/>
+            <a:tailEnd type="arrow"/>
+          </a:ln>
+        </p:spPr>
+        <p:style>
+          <a:lnRef idx="2">
+            <a:schemeClr val="accent1"/>
+          </a:lnRef>
+          <a:fillRef idx="0">
+            <a:schemeClr val="accent1"/>
+          </a:fillRef>
+          <a:effectRef idx="1">
+            <a:schemeClr val="accent1"/>
+          </a:effectRef>
+          <a:fontRef idx="minor">
+            <a:schemeClr val="tx1"/>
+          </a:fontRef>
+        </p:style>
+      </p:cxnSp>
+      <p:sp>
+        <p:nvSpPr>
+          <p:cNvPr id="14" name="TextBox 13"/>
+          <p:cNvSpPr txBox="1"/>
+          <p:nvPr/>
+        </p:nvSpPr>
+        <p:spPr>
+          <a:xfrm>
+            <a:off x="1523055" y="2526369"/>
+            <a:ext cx="1057839" cy="646331"/>
+          </a:xfrm>
+          <a:prstGeom prst="rect">
+            <a:avLst/>
+          </a:prstGeom>
+          <a:noFill/>
+        </p:spPr>
+        <p:txBody>
+          <a:bodyPr wrap="none" rtlCol="0">
+            <a:spAutoFit/>
+          </a:bodyPr>
+          <a:lstStyle/>
+          <a:p>
+            <a:r>
+              <a:rPr lang="en-US" dirty="0" smtClean="0"/>
+              <a:t>Access to</a:t>
+            </a:r>
+          </a:p>
+          <a:p>
+            <a:r>
+              <a:rPr lang="en-US" dirty="0" smtClean="0"/>
+              <a:t>data</a:t>
+            </a:r>
+            <a:endParaRPr lang="en-US" dirty="0"/>
+          </a:p>
+        </p:txBody>
+      </p:sp>
+      <p:cxnSp>
+        <p:nvCxnSpPr>
+          <p:cNvPr id="15" name="Elbow Connector 14"/>
+          <p:cNvCxnSpPr>
+            <a:stCxn id="5" idx="0"/>
+            <a:endCxn id="31" idx="3"/>
+          </p:cNvCxnSpPr>
+          <p:nvPr/>
+        </p:nvCxnSpPr>
+        <p:spPr>
+          <a:xfrm rot="5400000" flipH="1" flipV="1">
+            <a:off x="4127951" y="3312070"/>
+            <a:ext cx="1665456" cy="1720"/>
+          </a:xfrm>
+          <a:prstGeom prst="bentConnector3">
+            <a:avLst>
+              <a:gd name="adj1" fmla="val 50000"/>
+            </a:avLst>
+          </a:prstGeom>
+          <a:ln>
+            <a:headEnd type="arrow"/>
+            <a:tailEnd type="arrow"/>
+          </a:ln>
+        </p:spPr>
+        <p:style>
+          <a:lnRef idx="2">
+            <a:schemeClr val="accent1"/>
+          </a:lnRef>
+          <a:fillRef idx="0">
+            <a:schemeClr val="accent1"/>
+          </a:fillRef>
+          <a:effectRef idx="1">
+            <a:schemeClr val="accent1"/>
+          </a:effectRef>
+          <a:fontRef idx="minor">
+            <a:schemeClr val="tx1"/>
+          </a:fontRef>
+        </p:style>
+      </p:cxnSp>
+      <p:cxnSp>
+        <p:nvCxnSpPr>
+          <p:cNvPr id="22" name="Elbow Connector 21"/>
+          <p:cNvCxnSpPr>
+            <a:stCxn id="20" idx="0"/>
+            <a:endCxn id="11" idx="3"/>
+          </p:cNvCxnSpPr>
+          <p:nvPr/>
+        </p:nvCxnSpPr>
+        <p:spPr>
+          <a:xfrm rot="5400000" flipH="1" flipV="1">
+            <a:off x="5283802" y="2617695"/>
+            <a:ext cx="1665455" cy="1390473"/>
+          </a:xfrm>
+          <a:prstGeom prst="bentConnector3">
+            <a:avLst>
+              <a:gd name="adj1" fmla="val 50000"/>
+            </a:avLst>
+          </a:prstGeom>
+          <a:ln>
+            <a:headEnd type="arrow"/>
+            <a:tailEnd type="arrow"/>
+          </a:ln>
+        </p:spPr>
+        <p:style>
+          <a:lnRef idx="2">
+            <a:schemeClr val="accent1"/>
+          </a:lnRef>
+          <a:fillRef idx="0">
+            <a:schemeClr val="accent1"/>
+          </a:fillRef>
+          <a:effectRef idx="1">
+            <a:schemeClr val="accent1"/>
+          </a:effectRef>
+          <a:fontRef idx="minor">
+            <a:schemeClr val="tx1"/>
+          </a:fontRef>
+        </p:style>
+      </p:cxnSp>
+      <p:sp>
+        <p:nvSpPr>
+          <p:cNvPr id="31" name="Magnetic Disk 30"/>
+          <p:cNvSpPr/>
+          <p:nvPr/>
+        </p:nvSpPr>
+        <p:spPr>
+          <a:xfrm>
+            <a:off x="4206777" y="1018441"/>
+            <a:ext cx="1509524" cy="1461761"/>
+          </a:xfrm>
+          <a:prstGeom prst="flowChartMagneticDisk">
+            <a:avLst/>
+          </a:prstGeom>
+          <a:gradFill>
+            <a:gsLst>
+              <a:gs pos="0">
+                <a:schemeClr val="tx1">
+                  <a:lumMod val="65000"/>
+                  <a:lumOff val="35000"/>
+                </a:schemeClr>
+              </a:gs>
+              <a:gs pos="100000">
+                <a:schemeClr val="bg1">
+                  <a:lumMod val="85000"/>
+                </a:schemeClr>
+              </a:gs>
+            </a:gsLst>
+          </a:gradFill>
+          <a:ln>
+            <a:solidFill>
+              <a:schemeClr val="tx1">
+                <a:lumMod val="65000"/>
+                <a:lumOff val="35000"/>
+              </a:schemeClr>
+            </a:solidFill>
+          </a:ln>
+        </p:spPr>
+        <p:style>
+          <a:lnRef idx="1">
+            <a:schemeClr val="accent1"/>
+          </a:lnRef>
+          <a:fillRef idx="3">
+            <a:schemeClr val="accent1"/>
+          </a:fillRef>
+          <a:effectRef idx="2">
+            <a:schemeClr val="accent1"/>
+          </a:effectRef>
+          <a:fontRef idx="minor">
+            <a:schemeClr val="lt1"/>
+          </a:fontRef>
+        </p:style>
+        <p:txBody>
+          <a:bodyPr rtlCol="0" anchor="ctr"/>
+          <a:lstStyle/>
+          <a:p>
+            <a:pPr algn="ctr"/>
+            <a:r>
+              <a:rPr lang="en-US" dirty="0" smtClean="0">
+                <a:solidFill>
+                  <a:schemeClr val="tx1"/>
+                </a:solidFill>
+              </a:rPr>
+              <a:t>Log</a:t>
+            </a:r>
+          </a:p>
+          <a:p>
+            <a:pPr algn="ctr"/>
+            <a:r>
+              <a:rPr lang="en-US" dirty="0" smtClean="0">
+                <a:solidFill>
+                  <a:schemeClr val="tx1"/>
+                </a:solidFill>
+              </a:rPr>
+              <a:t>Files</a:t>
+            </a:r>
+            <a:endParaRPr lang="en-US" dirty="0">
+              <a:solidFill>
+                <a:schemeClr val="tx1"/>
+              </a:solidFill>
+            </a:endParaRPr>
+          </a:p>
+        </p:txBody>
+      </p:sp>
+      <p:sp>
+        <p:nvSpPr>
+          <p:cNvPr id="32" name="TextBox 31"/>
+          <p:cNvSpPr txBox="1"/>
+          <p:nvPr/>
+        </p:nvSpPr>
+        <p:spPr>
+          <a:xfrm>
+            <a:off x="4031259" y="2526369"/>
+            <a:ext cx="928560" cy="646331"/>
+          </a:xfrm>
+          <a:prstGeom prst="rect">
+            <a:avLst/>
+          </a:prstGeom>
+          <a:noFill/>
+        </p:spPr>
+        <p:txBody>
+          <a:bodyPr wrap="none" rtlCol="0">
+            <a:spAutoFit/>
+          </a:bodyPr>
+          <a:lstStyle/>
+          <a:p>
+            <a:r>
+              <a:rPr lang="en-US" dirty="0" smtClean="0"/>
+              <a:t>Commit</a:t>
+            </a:r>
+          </a:p>
+          <a:p>
+            <a:r>
+              <a:rPr lang="en-US" dirty="0" smtClean="0"/>
+              <a:t>logging</a:t>
+            </a:r>
+            <a:endParaRPr lang="en-US" dirty="0"/>
+          </a:p>
+        </p:txBody>
+      </p:sp>
+      <p:sp>
+        <p:nvSpPr>
+          <p:cNvPr id="33" name="TextBox 32"/>
+          <p:cNvSpPr txBox="1"/>
+          <p:nvPr/>
+        </p:nvSpPr>
+        <p:spPr>
+          <a:xfrm>
+            <a:off x="6835726" y="2526369"/>
+            <a:ext cx="1213381" cy="646331"/>
+          </a:xfrm>
+          <a:prstGeom prst="rect">
+            <a:avLst/>
+          </a:prstGeom>
+          <a:noFill/>
+        </p:spPr>
+        <p:txBody>
+          <a:bodyPr wrap="none" rtlCol="0">
+            <a:spAutoFit/>
+          </a:bodyPr>
+          <a:lstStyle/>
+          <a:p>
+            <a:r>
+              <a:rPr lang="en-US" dirty="0" smtClean="0"/>
+              <a:t>Periodic </a:t>
+            </a:r>
+          </a:p>
+          <a:p>
+            <a:r>
+              <a:rPr lang="en-US" dirty="0" smtClean="0"/>
+              <a:t>checkpoint</a:t>
+            </a:r>
+            <a:endParaRPr lang="en-US" dirty="0"/>
+          </a:p>
+        </p:txBody>
+      </p:sp>
+    </p:spTree>
+  </p:cSld>
+  <p:clrMapOvr>
+    <a:masterClrMapping/>
+  </p:clrMapOvr>
+</p:sld>
+</file>
+
+<file path=ppt/slides/slide6.xml><?xml version="1.0" encoding="utf-8"?>
+<p:sld xmlns:a="http://schemas.openxmlformats.org/drawingml/2006/main" xmlns:r="http://schemas.openxmlformats.org/officeDocument/2006/relationships" xmlns:mc="http://schemas.openxmlformats.org/markup-compatibility/2006" xmlns:mv="urn:schemas-microsoft-com:mac:vml" xmlns:p="http://schemas.openxmlformats.org/presentationml/2006/main" mc:Ignorable="mv" mc:PreserveAttributes="mv:*">
+  <p:cSld>
+    <p:spTree>
+      <p:nvGrpSpPr>
+        <p:cNvPr id="1" name=""/>
+        <p:cNvGrpSpPr/>
+        <p:nvPr/>
+      </p:nvGrpSpPr>
+      <p:grpSpPr>
+        <a:xfrm>
+          <a:off x="0" y="0"/>
+          <a:ext cx="0" cy="0"/>
+          <a:chOff x="0" y="0"/>
+          <a:chExt cx="0" cy="0"/>
+        </a:xfrm>
+      </p:grpSpPr>
+      <p:sp>
+        <p:nvSpPr>
+          <p:cNvPr id="18" name="Isosceles Triangle 17"/>
+          <p:cNvSpPr/>
+          <p:nvPr/>
+        </p:nvSpPr>
+        <p:spPr>
+          <a:xfrm>
+            <a:off x="4179669" y="4648889"/>
+            <a:ext cx="371391" cy="299881"/>
+          </a:xfrm>
+          <a:prstGeom prst="triangle">
+            <a:avLst/>
+          </a:prstGeom>
+        </p:spPr>
+        <p:style>
+          <a:lnRef idx="1">
+            <a:schemeClr val="accent1"/>
+          </a:lnRef>
+          <a:fillRef idx="3">
+            <a:schemeClr val="accent1"/>
+          </a:fillRef>
+          <a:effectRef idx="2">
+            <a:schemeClr val="accent1"/>
+          </a:effectRef>
+          <a:fontRef idx="minor">
+            <a:schemeClr val="lt1"/>
+          </a:fontRef>
+        </p:style>
+        <p:txBody>
+          <a:bodyPr rtlCol="0" anchor="ctr"/>
+          <a:lstStyle/>
+          <a:p>
+            <a:pPr algn="ctr"/>
+            <a:endParaRPr lang="en-US"/>
+          </a:p>
+        </p:txBody>
+      </p:sp>
+      <p:sp>
+        <p:nvSpPr>
+          <p:cNvPr id="20" name="Isosceles Triangle 19"/>
+          <p:cNvSpPr/>
+          <p:nvPr/>
+        </p:nvSpPr>
+        <p:spPr>
+          <a:xfrm>
+            <a:off x="5068844" y="4648889"/>
+            <a:ext cx="371391" cy="299881"/>
+          </a:xfrm>
+          <a:prstGeom prst="triangle">
+            <a:avLst/>
+          </a:prstGeom>
+        </p:spPr>
+        <p:style>
+          <a:lnRef idx="1">
+            <a:schemeClr val="accent1"/>
+          </a:lnRef>
+          <a:fillRef idx="3">
+            <a:schemeClr val="accent1"/>
+          </a:fillRef>
+          <a:effectRef idx="2">
+            <a:schemeClr val="accent1"/>
+          </a:effectRef>
+          <a:fontRef idx="minor">
+            <a:schemeClr val="lt1"/>
+          </a:fontRef>
+        </p:style>
+        <p:txBody>
+          <a:bodyPr rtlCol="0" anchor="ctr"/>
+          <a:lstStyle/>
+          <a:p>
+            <a:pPr algn="ctr"/>
+            <a:endParaRPr lang="en-US"/>
+          </a:p>
+        </p:txBody>
+      </p:sp>
+      <p:sp>
+        <p:nvSpPr>
+          <p:cNvPr id="35" name="Rounded Rectangle 34"/>
+          <p:cNvSpPr/>
+          <p:nvPr/>
+        </p:nvSpPr>
+        <p:spPr>
+          <a:xfrm>
+            <a:off x="3881870" y="5073510"/>
+            <a:ext cx="2575774" cy="1407843"/>
+          </a:xfrm>
+          <a:prstGeom prst="roundRect">
+            <a:avLst/>
+          </a:prstGeom>
+          <a:gradFill>
+            <a:gsLst>
+              <a:gs pos="0">
+                <a:schemeClr val="accent6">
+                  <a:lumMod val="75000"/>
+                </a:schemeClr>
+              </a:gs>
+              <a:gs pos="100000">
+                <a:schemeClr val="accent6">
+                  <a:lumMod val="20000"/>
+                  <a:lumOff val="80000"/>
+                </a:schemeClr>
+              </a:gs>
+            </a:gsLst>
+          </a:gradFill>
+        </p:spPr>
+        <p:style>
+          <a:lnRef idx="1">
+            <a:schemeClr val="accent1"/>
+          </a:lnRef>
+          <a:fillRef idx="3">
+            <a:schemeClr val="accent1"/>
+          </a:fillRef>
+          <a:effectRef idx="2">
+            <a:schemeClr val="accent1"/>
+          </a:effectRef>
+          <a:fontRef idx="minor">
+            <a:schemeClr val="lt1"/>
+          </a:fontRef>
+        </p:style>
+        <p:txBody>
+          <a:bodyPr rtlCol="0" anchor="b" anchorCtr="0"/>
+          <a:lstStyle/>
+          <a:p>
+            <a:pPr algn="ctr"/>
+            <a:r>
+              <a:rPr lang="en-US" dirty="0" smtClean="0">
+                <a:solidFill>
+                  <a:schemeClr val="tx1"/>
+                </a:solidFill>
+              </a:rPr>
+              <a:t>Application</a:t>
+            </a:r>
+          </a:p>
+          <a:p>
+            <a:pPr algn="ctr"/>
+            <a:r>
+              <a:rPr lang="en-US" dirty="0" smtClean="0">
+                <a:solidFill>
+                  <a:schemeClr val="tx1"/>
+                </a:solidFill>
+              </a:rPr>
+              <a:t>Process</a:t>
+            </a:r>
+            <a:endParaRPr lang="en-US" dirty="0">
+              <a:solidFill>
+                <a:schemeClr val="tx1"/>
+              </a:solidFill>
+            </a:endParaRPr>
+          </a:p>
+        </p:txBody>
+      </p:sp>
+      <p:sp>
+        <p:nvSpPr>
+          <p:cNvPr id="34" name="Rounded Rectangle 33"/>
+          <p:cNvSpPr/>
+          <p:nvPr/>
+        </p:nvSpPr>
+        <p:spPr>
+          <a:xfrm>
+            <a:off x="3681550" y="4861200"/>
+            <a:ext cx="2575774" cy="1407843"/>
+          </a:xfrm>
+          <a:prstGeom prst="roundRect">
+            <a:avLst/>
+          </a:prstGeom>
+          <a:gradFill>
+            <a:gsLst>
+              <a:gs pos="0">
+                <a:schemeClr val="accent6">
+                  <a:lumMod val="75000"/>
+                </a:schemeClr>
+              </a:gs>
+              <a:gs pos="100000">
+                <a:schemeClr val="accent6">
+                  <a:lumMod val="20000"/>
+                  <a:lumOff val="80000"/>
+                </a:schemeClr>
+              </a:gs>
+            </a:gsLst>
+          </a:gradFill>
+        </p:spPr>
+        <p:style>
+          <a:lnRef idx="1">
+            <a:schemeClr val="accent1"/>
+          </a:lnRef>
+          <a:fillRef idx="3">
+            <a:schemeClr val="accent1"/>
+          </a:fillRef>
+          <a:effectRef idx="2">
+            <a:schemeClr val="accent1"/>
+          </a:effectRef>
+          <a:fontRef idx="minor">
+            <a:schemeClr val="lt1"/>
+          </a:fontRef>
+        </p:style>
+        <p:txBody>
+          <a:bodyPr rtlCol="0" anchor="b" anchorCtr="0"/>
+          <a:lstStyle/>
+          <a:p>
+            <a:pPr algn="ctr"/>
+            <a:r>
+              <a:rPr lang="en-US" dirty="0" smtClean="0">
+                <a:solidFill>
+                  <a:schemeClr val="tx1"/>
+                </a:solidFill>
+              </a:rPr>
+              <a:t>Application</a:t>
+            </a:r>
+          </a:p>
+          <a:p>
+            <a:pPr algn="ctr"/>
+            <a:r>
+              <a:rPr lang="en-US" dirty="0" smtClean="0">
+                <a:solidFill>
+                  <a:schemeClr val="tx1"/>
+                </a:solidFill>
+              </a:rPr>
+              <a:t>Process</a:t>
+            </a:r>
+            <a:endParaRPr lang="en-US" dirty="0">
+              <a:solidFill>
+                <a:schemeClr val="tx1"/>
+              </a:solidFill>
+            </a:endParaRPr>
+          </a:p>
+        </p:txBody>
+      </p:sp>
+      <p:sp>
+        <p:nvSpPr>
+          <p:cNvPr id="6" name="Rounded Rectangle 5"/>
+          <p:cNvSpPr/>
+          <p:nvPr/>
+        </p:nvSpPr>
+        <p:spPr>
+          <a:xfrm>
+            <a:off x="3481230" y="4648890"/>
+            <a:ext cx="2575774" cy="1407843"/>
+          </a:xfrm>
+          <a:prstGeom prst="roundRect">
+            <a:avLst/>
+          </a:prstGeom>
+          <a:gradFill>
+            <a:gsLst>
+              <a:gs pos="0">
+                <a:schemeClr val="accent6">
+                  <a:lumMod val="75000"/>
+                </a:schemeClr>
+              </a:gs>
+              <a:gs pos="100000">
+                <a:schemeClr val="accent6">
+                  <a:lumMod val="20000"/>
+                  <a:lumOff val="80000"/>
+                </a:schemeClr>
+              </a:gs>
+            </a:gsLst>
+          </a:gradFill>
+        </p:spPr>
+        <p:style>
+          <a:lnRef idx="1">
+            <a:schemeClr val="accent1"/>
+          </a:lnRef>
+          <a:fillRef idx="3">
+            <a:schemeClr val="accent1"/>
+          </a:fillRef>
+          <a:effectRef idx="2">
+            <a:schemeClr val="accent1"/>
+          </a:effectRef>
+          <a:fontRef idx="minor">
+            <a:schemeClr val="lt1"/>
+          </a:fontRef>
+        </p:style>
+        <p:txBody>
+          <a:bodyPr rtlCol="0" anchor="b" anchorCtr="0"/>
+          <a:lstStyle/>
+          <a:p>
+            <a:pPr algn="ctr"/>
+            <a:r>
+              <a:rPr lang="en-US" dirty="0" smtClean="0">
+                <a:solidFill>
+                  <a:schemeClr val="tx1"/>
+                </a:solidFill>
+              </a:rPr>
+              <a:t>Application</a:t>
+            </a:r>
+          </a:p>
+          <a:p>
+            <a:pPr algn="ctr"/>
+            <a:r>
+              <a:rPr lang="en-US" dirty="0" smtClean="0">
+                <a:solidFill>
+                  <a:schemeClr val="tx1"/>
+                </a:solidFill>
+              </a:rPr>
+              <a:t>Processes</a:t>
+            </a:r>
+            <a:endParaRPr lang="en-US" dirty="0">
+              <a:solidFill>
+                <a:schemeClr val="tx1"/>
+              </a:solidFill>
+            </a:endParaRPr>
+          </a:p>
+        </p:txBody>
+      </p:sp>
+      <p:sp>
+        <p:nvSpPr>
+          <p:cNvPr id="5" name="Rounded Rectangle 4"/>
+          <p:cNvSpPr/>
+          <p:nvPr/>
+        </p:nvSpPr>
+        <p:spPr>
+          <a:xfrm>
+            <a:off x="3744785" y="4648889"/>
+            <a:ext cx="2096561" cy="563138"/>
+          </a:xfrm>
+          <a:prstGeom prst="roundRect">
+            <a:avLst/>
+          </a:prstGeom>
+        </p:spPr>
+        <p:style>
+          <a:lnRef idx="1">
+            <a:schemeClr val="accent1"/>
+          </a:lnRef>
+          <a:fillRef idx="3">
+            <a:schemeClr val="accent1"/>
+          </a:fillRef>
+          <a:effectRef idx="2">
+            <a:schemeClr val="accent1"/>
+          </a:effectRef>
+          <a:fontRef idx="minor">
+            <a:schemeClr val="lt1"/>
+          </a:fontRef>
+        </p:style>
+        <p:txBody>
+          <a:bodyPr rtlCol="0" anchor="ctr"/>
+          <a:lstStyle/>
+          <a:p>
+            <a:pPr algn="ctr"/>
+            <a:r>
+              <a:rPr lang="en-US" dirty="0" err="1" smtClean="0"/>
+              <a:t>STLdb</a:t>
+            </a:r>
+            <a:r>
+              <a:rPr lang="en-US" dirty="0" smtClean="0"/>
+              <a:t> library</a:t>
+            </a:r>
+            <a:endParaRPr lang="en-US" dirty="0"/>
+          </a:p>
+        </p:txBody>
+      </p:sp>
+      <p:sp>
+        <p:nvSpPr>
+          <p:cNvPr id="4" name="Rectangle 3"/>
+          <p:cNvSpPr/>
+          <p:nvPr/>
+        </p:nvSpPr>
+        <p:spPr>
+          <a:xfrm>
+            <a:off x="1161357" y="2204637"/>
+            <a:ext cx="2505567" cy="1234111"/>
+          </a:xfrm>
+          <a:prstGeom prst="rect">
+            <a:avLst/>
+          </a:prstGeom>
+        </p:spPr>
+        <p:style>
+          <a:lnRef idx="1">
+            <a:schemeClr val="accent1"/>
+          </a:lnRef>
+          <a:fillRef idx="3">
+            <a:schemeClr val="accent1"/>
+          </a:fillRef>
+          <a:effectRef idx="2">
+            <a:schemeClr val="accent1"/>
+          </a:effectRef>
+          <a:fontRef idx="minor">
+            <a:schemeClr val="lt1"/>
+          </a:fontRef>
+        </p:style>
+        <p:txBody>
+          <a:bodyPr rtlCol="0" anchor="ctr"/>
+          <a:lstStyle/>
+          <a:p>
+            <a:pPr algn="ctr"/>
+            <a:r>
+              <a:rPr lang="en-US" dirty="0" smtClean="0"/>
+              <a:t>Mapped Memory Region</a:t>
+            </a:r>
+          </a:p>
+          <a:p>
+            <a:pPr algn="ctr"/>
+            <a:r>
+              <a:rPr lang="en-US" dirty="0" smtClean="0"/>
+              <a:t>(Portion of all </a:t>
+            </a:r>
+          </a:p>
+          <a:p>
+            <a:pPr algn="ctr"/>
+            <a:r>
+              <a:rPr lang="en-US" dirty="0" smtClean="0"/>
+              <a:t>database data)</a:t>
+            </a:r>
+            <a:endParaRPr lang="en-US" dirty="0"/>
+          </a:p>
+        </p:txBody>
+      </p:sp>
+      <p:sp>
+        <p:nvSpPr>
+          <p:cNvPr id="11" name="Magnetic Disk 10"/>
+          <p:cNvSpPr/>
+          <p:nvPr/>
+        </p:nvSpPr>
+        <p:spPr>
+          <a:xfrm>
+            <a:off x="5888531" y="2023153"/>
+            <a:ext cx="1509524" cy="1461761"/>
+          </a:xfrm>
+          <a:prstGeom prst="flowChartMagneticDisk">
+            <a:avLst/>
+          </a:prstGeom>
+          <a:gradFill>
+            <a:gsLst>
+              <a:gs pos="0">
+                <a:schemeClr val="tx1">
+                  <a:lumMod val="65000"/>
+                  <a:lumOff val="35000"/>
+                </a:schemeClr>
+              </a:gs>
+              <a:gs pos="100000">
+                <a:schemeClr val="bg1">
+                  <a:lumMod val="85000"/>
+                </a:schemeClr>
+              </a:gs>
+            </a:gsLst>
+          </a:gradFill>
+          <a:ln>
+            <a:solidFill>
+              <a:schemeClr val="tx1">
+                <a:lumMod val="65000"/>
+                <a:lumOff val="35000"/>
+              </a:schemeClr>
+            </a:solidFill>
+          </a:ln>
+        </p:spPr>
+        <p:style>
+          <a:lnRef idx="1">
+            <a:schemeClr val="accent1"/>
+          </a:lnRef>
+          <a:fillRef idx="3">
+            <a:schemeClr val="accent1"/>
+          </a:fillRef>
+          <a:effectRef idx="2">
+            <a:schemeClr val="accent1"/>
+          </a:effectRef>
+          <a:fontRef idx="minor">
+            <a:schemeClr val="lt1"/>
+          </a:fontRef>
+        </p:style>
+        <p:txBody>
+          <a:bodyPr rtlCol="0" anchor="ctr"/>
+          <a:lstStyle/>
+          <a:p>
+            <a:pPr algn="ctr"/>
+            <a:r>
+              <a:rPr lang="en-US" dirty="0" smtClean="0">
+                <a:solidFill>
+                  <a:schemeClr val="tx1"/>
+                </a:solidFill>
+              </a:rPr>
+              <a:t>Checkpoint</a:t>
+            </a:r>
+          </a:p>
+          <a:p>
+            <a:pPr algn="ctr"/>
+            <a:r>
+              <a:rPr lang="en-US" dirty="0" smtClean="0">
+                <a:solidFill>
+                  <a:schemeClr val="tx1"/>
+                </a:solidFill>
+              </a:rPr>
+              <a:t>Files</a:t>
+            </a:r>
+            <a:endParaRPr lang="en-US" dirty="0">
+              <a:solidFill>
+                <a:schemeClr val="tx1"/>
+              </a:solidFill>
+            </a:endParaRPr>
+          </a:p>
+        </p:txBody>
+      </p:sp>
+      <p:cxnSp>
+        <p:nvCxnSpPr>
+          <p:cNvPr id="13" name="Elbow Connector 12"/>
+          <p:cNvCxnSpPr>
+            <a:stCxn id="18" idx="0"/>
+            <a:endCxn id="4" idx="2"/>
+          </p:cNvCxnSpPr>
+          <p:nvPr/>
+        </p:nvCxnSpPr>
+        <p:spPr>
+          <a:xfrm rot="16200000" flipV="1">
+            <a:off x="2784683" y="3068207"/>
+            <a:ext cx="1210141" cy="1951224"/>
+          </a:xfrm>
+          <a:prstGeom prst="bentConnector3">
+            <a:avLst>
+              <a:gd name="adj1" fmla="val 33168"/>
+            </a:avLst>
+          </a:prstGeom>
+          <a:ln>
+            <a:headEnd type="arrow"/>
+            <a:tailEnd type="arrow"/>
+          </a:ln>
+        </p:spPr>
+        <p:style>
+          <a:lnRef idx="2">
+            <a:schemeClr val="accent1"/>
+          </a:lnRef>
+          <a:fillRef idx="0">
+            <a:schemeClr val="accent1"/>
+          </a:fillRef>
+          <a:effectRef idx="1">
+            <a:schemeClr val="accent1"/>
+          </a:effectRef>
+          <a:fontRef idx="minor">
+            <a:schemeClr val="tx1"/>
+          </a:fontRef>
+        </p:style>
+      </p:cxnSp>
+      <p:sp>
+        <p:nvSpPr>
+          <p:cNvPr id="14" name="TextBox 13"/>
+          <p:cNvSpPr txBox="1"/>
+          <p:nvPr/>
+        </p:nvSpPr>
+        <p:spPr>
+          <a:xfrm>
+            <a:off x="1356302" y="3484914"/>
+            <a:ext cx="1057839" cy="646331"/>
+          </a:xfrm>
+          <a:prstGeom prst="rect">
+            <a:avLst/>
+          </a:prstGeom>
+          <a:noFill/>
+        </p:spPr>
+        <p:txBody>
+          <a:bodyPr wrap="none" rtlCol="0">
+            <a:spAutoFit/>
+          </a:bodyPr>
+          <a:lstStyle/>
+          <a:p>
+            <a:r>
+              <a:rPr lang="en-US" dirty="0" smtClean="0"/>
+              <a:t>Access to</a:t>
+            </a:r>
+          </a:p>
+          <a:p>
+            <a:r>
+              <a:rPr lang="en-US" dirty="0" smtClean="0"/>
+              <a:t>data</a:t>
+            </a:r>
+            <a:endParaRPr lang="en-US" dirty="0"/>
+          </a:p>
+        </p:txBody>
+      </p:sp>
+      <p:cxnSp>
+        <p:nvCxnSpPr>
+          <p:cNvPr id="15" name="Elbow Connector 14"/>
+          <p:cNvCxnSpPr>
+            <a:stCxn id="5" idx="0"/>
+            <a:endCxn id="31" idx="3"/>
+          </p:cNvCxnSpPr>
+          <p:nvPr/>
+        </p:nvCxnSpPr>
+        <p:spPr>
+          <a:xfrm rot="5400000" flipH="1" flipV="1">
+            <a:off x="4211078" y="4066901"/>
+            <a:ext cx="1163976" cy="1588"/>
+          </a:xfrm>
+          <a:prstGeom prst="bentConnector3">
+            <a:avLst>
+              <a:gd name="adj1" fmla="val 50000"/>
+            </a:avLst>
+          </a:prstGeom>
+          <a:ln>
+            <a:headEnd type="arrow"/>
+            <a:tailEnd type="arrow"/>
+          </a:ln>
+        </p:spPr>
+        <p:style>
+          <a:lnRef idx="2">
+            <a:schemeClr val="accent1"/>
+          </a:lnRef>
+          <a:fillRef idx="0">
+            <a:schemeClr val="accent1"/>
+          </a:fillRef>
+          <a:effectRef idx="1">
+            <a:schemeClr val="accent1"/>
+          </a:effectRef>
+          <a:fontRef idx="minor">
+            <a:schemeClr val="tx1"/>
+          </a:fontRef>
+        </p:style>
+      </p:cxnSp>
+      <p:cxnSp>
+        <p:nvCxnSpPr>
+          <p:cNvPr id="22" name="Elbow Connector 21"/>
+          <p:cNvCxnSpPr>
+            <a:stCxn id="20" idx="0"/>
+            <a:endCxn id="11" idx="3"/>
+          </p:cNvCxnSpPr>
+          <p:nvPr/>
+        </p:nvCxnSpPr>
+        <p:spPr>
+          <a:xfrm rot="5400000" flipH="1" flipV="1">
+            <a:off x="5366929" y="3372526"/>
+            <a:ext cx="1163975" cy="1388753"/>
+          </a:xfrm>
+          <a:prstGeom prst="bentConnector3">
+            <a:avLst>
+              <a:gd name="adj1" fmla="val 32501"/>
+            </a:avLst>
+          </a:prstGeom>
+          <a:ln>
+            <a:headEnd type="arrow"/>
+            <a:tailEnd type="arrow"/>
+          </a:ln>
+        </p:spPr>
+        <p:style>
+          <a:lnRef idx="2">
+            <a:schemeClr val="accent1"/>
+          </a:lnRef>
+          <a:fillRef idx="0">
+            <a:schemeClr val="accent1"/>
+          </a:fillRef>
+          <a:effectRef idx="1">
+            <a:schemeClr val="accent1"/>
+          </a:effectRef>
+          <a:fontRef idx="minor">
+            <a:schemeClr val="tx1"/>
+          </a:fontRef>
+        </p:style>
+      </p:cxnSp>
+      <p:sp>
+        <p:nvSpPr>
+          <p:cNvPr id="31" name="Magnetic Disk 30"/>
+          <p:cNvSpPr/>
+          <p:nvPr/>
+        </p:nvSpPr>
+        <p:spPr>
+          <a:xfrm>
+            <a:off x="4038304" y="2023152"/>
+            <a:ext cx="1509524" cy="1461761"/>
+          </a:xfrm>
+          <a:prstGeom prst="flowChartMagneticDisk">
+            <a:avLst/>
+          </a:prstGeom>
+          <a:gradFill>
+            <a:gsLst>
+              <a:gs pos="0">
+                <a:schemeClr val="tx1">
+                  <a:lumMod val="65000"/>
+                  <a:lumOff val="35000"/>
+                </a:schemeClr>
+              </a:gs>
+              <a:gs pos="100000">
+                <a:schemeClr val="bg1">
+                  <a:lumMod val="85000"/>
+                </a:schemeClr>
+              </a:gs>
+            </a:gsLst>
+          </a:gradFill>
+          <a:ln>
+            <a:solidFill>
+              <a:schemeClr val="tx1">
+                <a:lumMod val="65000"/>
+                <a:lumOff val="35000"/>
+              </a:schemeClr>
+            </a:solidFill>
+          </a:ln>
+        </p:spPr>
+        <p:style>
+          <a:lnRef idx="1">
+            <a:schemeClr val="accent1"/>
+          </a:lnRef>
+          <a:fillRef idx="3">
+            <a:schemeClr val="accent1"/>
+          </a:fillRef>
+          <a:effectRef idx="2">
+            <a:schemeClr val="accent1"/>
+          </a:effectRef>
+          <a:fontRef idx="minor">
+            <a:schemeClr val="lt1"/>
+          </a:fontRef>
+        </p:style>
+        <p:txBody>
+          <a:bodyPr rtlCol="0" anchor="ctr"/>
+          <a:lstStyle/>
+          <a:p>
+            <a:pPr algn="ctr"/>
+            <a:r>
+              <a:rPr lang="en-US" dirty="0" smtClean="0">
+                <a:solidFill>
+                  <a:schemeClr val="tx1"/>
+                </a:solidFill>
+              </a:rPr>
+              <a:t>Log</a:t>
+            </a:r>
+          </a:p>
+          <a:p>
+            <a:pPr algn="ctr"/>
+            <a:r>
+              <a:rPr lang="en-US" dirty="0" smtClean="0">
+                <a:solidFill>
+                  <a:schemeClr val="tx1"/>
+                </a:solidFill>
+              </a:rPr>
+              <a:t>Files</a:t>
+            </a:r>
+            <a:endParaRPr lang="en-US" dirty="0">
+              <a:solidFill>
+                <a:schemeClr val="tx1"/>
+              </a:solidFill>
+            </a:endParaRPr>
+          </a:p>
+        </p:txBody>
+      </p:sp>
+      <p:sp>
+        <p:nvSpPr>
+          <p:cNvPr id="32" name="TextBox 31"/>
+          <p:cNvSpPr txBox="1"/>
+          <p:nvPr/>
+        </p:nvSpPr>
+        <p:spPr>
+          <a:xfrm>
+            <a:off x="3864506" y="3484914"/>
+            <a:ext cx="928560" cy="646331"/>
+          </a:xfrm>
+          <a:prstGeom prst="rect">
+            <a:avLst/>
+          </a:prstGeom>
+          <a:noFill/>
+        </p:spPr>
+        <p:txBody>
+          <a:bodyPr wrap="none" rtlCol="0">
+            <a:spAutoFit/>
+          </a:bodyPr>
+          <a:lstStyle/>
+          <a:p>
+            <a:r>
+              <a:rPr lang="en-US" dirty="0" smtClean="0"/>
+              <a:t>Commit</a:t>
+            </a:r>
+          </a:p>
+          <a:p>
+            <a:r>
+              <a:rPr lang="en-US" dirty="0" smtClean="0"/>
+              <a:t>logging</a:t>
+            </a:r>
+            <a:endParaRPr lang="en-US" dirty="0"/>
+          </a:p>
+        </p:txBody>
+      </p:sp>
+      <p:sp>
+        <p:nvSpPr>
+          <p:cNvPr id="33" name="TextBox 32"/>
+          <p:cNvSpPr txBox="1"/>
+          <p:nvPr/>
+        </p:nvSpPr>
+        <p:spPr>
+          <a:xfrm>
+            <a:off x="6668973" y="3484914"/>
+            <a:ext cx="1213381" cy="646331"/>
+          </a:xfrm>
+          <a:prstGeom prst="rect">
+            <a:avLst/>
+          </a:prstGeom>
+          <a:noFill/>
+        </p:spPr>
+        <p:txBody>
+          <a:bodyPr wrap="none" rtlCol="0">
+            <a:spAutoFit/>
+          </a:bodyPr>
+          <a:lstStyle/>
+          <a:p>
+            <a:r>
+              <a:rPr lang="en-US" dirty="0" smtClean="0"/>
+              <a:t>Periodic </a:t>
+            </a:r>
+          </a:p>
+          <a:p>
+            <a:r>
+              <a:rPr lang="en-US" dirty="0" smtClean="0"/>
+              <a:t>checkpoint</a:t>
+            </a:r>
+            <a:endParaRPr lang="en-US" dirty="0"/>
+          </a:p>
+        </p:txBody>
+      </p:sp>
+      <p:sp>
+        <p:nvSpPr>
+          <p:cNvPr id="17" name="Magnetic Disk 16"/>
+          <p:cNvSpPr/>
+          <p:nvPr/>
+        </p:nvSpPr>
+        <p:spPr>
+          <a:xfrm>
+            <a:off x="1659379" y="227657"/>
+            <a:ext cx="1509524" cy="1461761"/>
+          </a:xfrm>
+          <a:prstGeom prst="flowChartMagneticDisk">
+            <a:avLst/>
+          </a:prstGeom>
+          <a:gradFill>
+            <a:gsLst>
+              <a:gs pos="0">
+                <a:schemeClr val="tx1">
+                  <a:lumMod val="65000"/>
+                  <a:lumOff val="35000"/>
+                </a:schemeClr>
+              </a:gs>
+              <a:gs pos="100000">
+                <a:schemeClr val="bg1">
+                  <a:lumMod val="85000"/>
+                </a:schemeClr>
+              </a:gs>
+            </a:gsLst>
+          </a:gradFill>
+          <a:ln>
+            <a:solidFill>
+              <a:schemeClr val="tx1">
+                <a:lumMod val="65000"/>
+                <a:lumOff val="35000"/>
+              </a:schemeClr>
+            </a:solidFill>
+          </a:ln>
+        </p:spPr>
+        <p:style>
+          <a:lnRef idx="1">
+            <a:schemeClr val="accent1"/>
+          </a:lnRef>
+          <a:fillRef idx="3">
+            <a:schemeClr val="accent1"/>
+          </a:fillRef>
+          <a:effectRef idx="2">
+            <a:schemeClr val="accent1"/>
+          </a:effectRef>
+          <a:fontRef idx="minor">
+            <a:schemeClr val="lt1"/>
+          </a:fontRef>
+        </p:style>
+        <p:txBody>
+          <a:bodyPr rtlCol="0" anchor="ctr"/>
+          <a:lstStyle/>
+          <a:p>
+            <a:pPr algn="ctr"/>
+            <a:r>
+              <a:rPr lang="en-US" dirty="0" smtClean="0">
+                <a:solidFill>
+                  <a:schemeClr val="tx1"/>
+                </a:solidFill>
+              </a:rPr>
+              <a:t>Mapped File</a:t>
+            </a:r>
+          </a:p>
+          <a:p>
+            <a:pPr algn="ctr"/>
+            <a:r>
+              <a:rPr lang="en-US" dirty="0" smtClean="0">
+                <a:solidFill>
+                  <a:schemeClr val="tx1"/>
+                </a:solidFill>
+              </a:rPr>
+              <a:t>(All database</a:t>
+            </a:r>
+          </a:p>
+          <a:p>
+            <a:pPr algn="ctr"/>
+            <a:r>
+              <a:rPr lang="en-US" dirty="0" smtClean="0">
+                <a:solidFill>
+                  <a:schemeClr val="tx1"/>
+                </a:solidFill>
+              </a:rPr>
+              <a:t>Data)</a:t>
+            </a:r>
+            <a:endParaRPr lang="en-US" dirty="0">
+              <a:solidFill>
+                <a:schemeClr val="tx1"/>
+              </a:solidFill>
+            </a:endParaRPr>
+          </a:p>
+        </p:txBody>
+      </p:sp>
+      <p:cxnSp>
+        <p:nvCxnSpPr>
+          <p:cNvPr id="19" name="Elbow Connector 18"/>
+          <p:cNvCxnSpPr>
+            <a:stCxn id="4" idx="0"/>
+            <a:endCxn id="17" idx="3"/>
+          </p:cNvCxnSpPr>
+          <p:nvPr/>
+        </p:nvCxnSpPr>
+        <p:spPr>
+          <a:xfrm rot="5400000" flipH="1" flipV="1">
+            <a:off x="2156532" y="1947028"/>
+            <a:ext cx="515219" cy="1588"/>
+          </a:xfrm>
+          <a:prstGeom prst="bentConnector3">
+            <a:avLst>
+              <a:gd name="adj1" fmla="val 50000"/>
+            </a:avLst>
+          </a:prstGeom>
+          <a:ln>
+            <a:headEnd type="arrow"/>
+            <a:tailEnd type="arrow"/>
+          </a:ln>
+        </p:spPr>
+        <p:style>
+          <a:lnRef idx="2">
+            <a:schemeClr val="accent1"/>
+          </a:lnRef>
+          <a:fillRef idx="0">
+            <a:schemeClr val="accent1"/>
+          </a:fillRef>
+          <a:effectRef idx="1">
+            <a:schemeClr val="accent1"/>
+          </a:effectRef>
+          <a:fontRef idx="minor">
+            <a:schemeClr val="tx1"/>
+          </a:fontRef>
+        </p:style>
+      </p:cxnSp>
+      <p:sp>
+        <p:nvSpPr>
+          <p:cNvPr id="27" name="TextBox 26"/>
+          <p:cNvSpPr txBox="1"/>
+          <p:nvPr/>
+        </p:nvSpPr>
+        <p:spPr>
+          <a:xfrm>
+            <a:off x="2414936" y="1751431"/>
+            <a:ext cx="1119154" cy="369332"/>
+          </a:xfrm>
+          <a:prstGeom prst="rect">
+            <a:avLst/>
+          </a:prstGeom>
+          <a:noFill/>
+        </p:spPr>
+        <p:txBody>
+          <a:bodyPr wrap="none" rtlCol="0">
+            <a:spAutoFit/>
+          </a:bodyPr>
+          <a:lstStyle/>
+          <a:p>
+            <a:r>
+              <a:rPr lang="en-US" dirty="0" smtClean="0"/>
+              <a:t>OS paging</a:t>
+            </a:r>
+          </a:p>
+        </p:txBody>
+      </p:sp>
     </p:spTree>
   </p:cSld>
   <p:clrMapOvr>
